--- a/latex/graphics/rough_chart.pptx
+++ b/latex/graphics/rough_chart.pptx
@@ -3029,12 +3029,20 @@
           <a:p>
             <a:pPr algn="ctr"/>
             <a:r>
+              <a:rPr lang="de-CH" sz="1600" dirty="0" err="1" smtClean="0">
+                <a:solidFill>
+                  <a:schemeClr val="tx1"/>
+                </a:solidFill>
+              </a:rPr>
+              <a:t>getBootstrapFrames</a:t>
+            </a:r>
+            <a:r>
               <a:rPr lang="de-CH" sz="1600" dirty="0" smtClean="0">
                 <a:solidFill>
                   <a:schemeClr val="tx1"/>
                 </a:solidFill>
               </a:rPr>
-              <a:t>Bootstrap Frames</a:t>
+              <a:t>()</a:t>
             </a:r>
             <a:endParaRPr lang="de-CH" sz="1600" dirty="0">
               <a:solidFill>
@@ -3097,7 +3105,23 @@
                   <a:schemeClr val="tx1"/>
                 </a:solidFill>
               </a:rPr>
-              <a:t>Initialization</a:t>
+              <a:t>i</a:t>
+            </a:r>
+            <a:r>
+              <a:rPr lang="de-CH" sz="1600" dirty="0" err="1" smtClean="0">
+                <a:solidFill>
+                  <a:schemeClr val="tx1"/>
+                </a:solidFill>
+              </a:rPr>
+              <a:t>nitPipeline</a:t>
+            </a:r>
+            <a:r>
+              <a:rPr lang="de-CH" sz="1600" dirty="0" smtClean="0">
+                <a:solidFill>
+                  <a:schemeClr val="tx1"/>
+                </a:solidFill>
+              </a:rPr>
+              <a:t>()</a:t>
             </a:r>
             <a:endParaRPr lang="de-CH" sz="1600" dirty="0">
               <a:solidFill>
@@ -3160,7 +3184,7 @@
                   <a:schemeClr val="tx1"/>
                 </a:solidFill>
               </a:rPr>
-              <a:t>Continuous</a:t>
+              <a:t>processFrame</a:t>
             </a:r>
             <a:r>
               <a:rPr lang="de-CH" sz="1600" dirty="0" smtClean="0">
@@ -3168,7 +3192,7 @@
                   <a:schemeClr val="tx1"/>
                 </a:solidFill>
               </a:rPr>
-              <a:t> Operation</a:t>
+              <a:t>()</a:t>
             </a:r>
             <a:endParaRPr lang="de-CH" sz="1600" dirty="0">
               <a:solidFill>
